--- a/week 10/Tango with Django - III.pptx
+++ b/week 10/Tango with Django - III.pptx
@@ -66,19 +66,19 @@
   <p:notesSz cx="6858000" cy="9144000"/>
   <p:embeddedFontLst>
     <p:embeddedFont>
-      <p:font typeface="Calibri" panose="020F0502020204030204" pitchFamily="34" charset="0"/>
+      <p:font typeface="Open Sans Light" panose="020B0604020202020204" charset="0"/>
       <p:regular r:id="rId56"/>
-      <p:bold r:id="rId57"/>
-      <p:italic r:id="rId58"/>
-      <p:boldItalic r:id="rId59"/>
-    </p:embeddedFont>
-    <p:embeddedFont>
-      <p:font typeface="Open Sans Light" panose="020B0604020202020204" charset="0"/>
-      <p:regular r:id="rId60"/>
     </p:embeddedFont>
     <p:embeddedFont>
       <p:font typeface="腾祥嘉丽线黑简" panose="02010600030101010101" charset="-122"/>
-      <p:regular r:id="rId61"/>
+      <p:regular r:id="rId57"/>
+    </p:embeddedFont>
+    <p:embeddedFont>
+      <p:font typeface="Calibri" panose="020F0502020204030204" pitchFamily="34" charset="0"/>
+      <p:regular r:id="rId58"/>
+      <p:bold r:id="rId59"/>
+      <p:italic r:id="rId60"/>
+      <p:boldItalic r:id="rId61"/>
     </p:embeddedFont>
   </p:embeddedFontLst>
   <p:defaultTextStyle>
@@ -277,7 +277,7 @@
           <a:p>
             <a:fld id="{12A1B15B-700E-46AB-9A80-FC80413FA208}" type="datetimeFigureOut">
               <a:rPr lang="zh-CN" altLang="en-US" smtClean="0"/>
-              <a:t>2017/5/20</a:t>
+              <a:t>2017/5/22</a:t>
             </a:fld>
             <a:endParaRPr lang="zh-CN" altLang="en-US"/>
           </a:p>
@@ -827,7 +827,7 @@
           <a:p>
             <a:fld id="{BF353E24-75C5-4466-B8AD-0A8FC8EA8740}" type="datetimeFigureOut">
               <a:rPr lang="zh-CN" altLang="en-US" smtClean="0"/>
-              <a:t>2017/5/20</a:t>
+              <a:t>2017/5/22</a:t>
             </a:fld>
             <a:endParaRPr lang="zh-CN" altLang="en-US"/>
           </a:p>
@@ -1635,7 +1635,7 @@
           <a:p>
             <a:fld id="{BF353E24-75C5-4466-B8AD-0A8FC8EA8740}" type="datetimeFigureOut">
               <a:rPr lang="zh-CN" altLang="en-US" smtClean="0"/>
-              <a:t>2017/5/20</a:t>
+              <a:t>2017/5/22</a:t>
             </a:fld>
             <a:endParaRPr lang="zh-CN" altLang="en-US"/>
           </a:p>
@@ -2006,7 +2006,7 @@
             <a:fld id="{BF353E24-75C5-4466-B8AD-0A8FC8EA8740}" type="datetimeFigureOut">
               <a:rPr lang="zh-CN" altLang="en-US" smtClean="0"/>
               <a:pPr/>
-              <a:t>2017/5/20</a:t>
+              <a:t>2017/5/22</a:t>
             </a:fld>
             <a:endParaRPr lang="zh-CN" altLang="en-US" dirty="0"/>
           </a:p>
@@ -2603,7 +2603,7 @@
           <a:p>
             <a:fld id="{BF353E24-75C5-4466-B8AD-0A8FC8EA8740}" type="datetimeFigureOut">
               <a:rPr lang="zh-CN" altLang="en-US" smtClean="0"/>
-              <a:t>2017/5/20</a:t>
+              <a:t>2017/5/22</a:t>
             </a:fld>
             <a:endParaRPr lang="zh-CN" altLang="en-US"/>
           </a:p>
@@ -3033,7 +3033,7 @@
           <a:p>
             <a:fld id="{BF353E24-75C5-4466-B8AD-0A8FC8EA8740}" type="datetimeFigureOut">
               <a:rPr lang="zh-CN" altLang="en-US" smtClean="0"/>
-              <a:t>2017/5/20</a:t>
+              <a:t>2017/5/22</a:t>
             </a:fld>
             <a:endParaRPr lang="zh-CN" altLang="en-US"/>
           </a:p>
@@ -3932,7 +3932,7 @@
           <a:p>
             <a:fld id="{BF353E24-75C5-4466-B8AD-0A8FC8EA8740}" type="datetimeFigureOut">
               <a:rPr lang="zh-CN" altLang="en-US" smtClean="0"/>
-              <a:t>2017/5/20</a:t>
+              <a:t>2017/5/22</a:t>
             </a:fld>
             <a:endParaRPr lang="zh-CN" altLang="en-US"/>
           </a:p>
@@ -4318,7 +4318,7 @@
           <a:p>
             <a:fld id="{BF353E24-75C5-4466-B8AD-0A8FC8EA8740}" type="datetimeFigureOut">
               <a:rPr lang="zh-CN" altLang="en-US" smtClean="0"/>
-              <a:t>2017/5/20</a:t>
+              <a:t>2017/5/22</a:t>
             </a:fld>
             <a:endParaRPr lang="zh-CN" altLang="en-US"/>
           </a:p>
@@ -4533,7 +4533,7 @@
           <a:p>
             <a:fld id="{BF353E24-75C5-4466-B8AD-0A8FC8EA8740}" type="datetimeFigureOut">
               <a:rPr lang="zh-CN" altLang="en-US" smtClean="0"/>
-              <a:t>2017/5/20</a:t>
+              <a:t>2017/5/22</a:t>
             </a:fld>
             <a:endParaRPr lang="zh-CN" altLang="en-US"/>
           </a:p>
@@ -4767,7 +4767,7 @@
             <a:fld id="{BF353E24-75C5-4466-B8AD-0A8FC8EA8740}" type="datetimeFigureOut">
               <a:rPr lang="zh-CN" altLang="en-US" smtClean="0"/>
               <a:pPr/>
-              <a:t>2017/5/20</a:t>
+              <a:t>2017/5/22</a:t>
             </a:fld>
             <a:endParaRPr lang="zh-CN" altLang="en-US"/>
           </a:p>
@@ -25954,16 +25954,7 @@
                 </a:solidFill>
                 <a:latin typeface="Menlo"/>
               </a:rPr>
-              <a:t>   </a:t>
-            </a:r>
-            <a:r>
-              <a:rPr lang="en-US" altLang="zh-CN" dirty="0" smtClean="0">
-                <a:solidFill>
-                  <a:srgbClr val="333333"/>
-                </a:solidFill>
-                <a:latin typeface="Menlo"/>
-              </a:rPr>
-              <a:t>{% </a:t>
+              <a:t>   {% </a:t>
             </a:r>
             <a:r>
               <a:rPr lang="en-US" altLang="zh-CN" b="1" dirty="0">
@@ -26007,7 +25998,16 @@
                 </a:solidFill>
                 <a:latin typeface="Menlo"/>
               </a:rPr>
-              <a:t>       </a:t>
+              <a:t>       &lt;</a:t>
+            </a:r>
+            <a:r>
+              <a:rPr lang="en-US" altLang="zh-CN" dirty="0">
+                <a:solidFill>
+                  <a:srgbClr val="333333"/>
+                </a:solidFill>
+                <a:latin typeface="Menlo"/>
+              </a:rPr>
+              <a:t>li</a:t>
             </a:r>
             <a:r>
               <a:rPr lang="en-US" altLang="zh-CN" dirty="0" smtClean="0">
@@ -26016,16 +26016,18 @@
                 </a:solidFill>
                 <a:latin typeface="Menlo"/>
               </a:rPr>
-              <a:t>&lt;</a:t>
-            </a:r>
-            <a:r>
-              <a:rPr lang="en-US" altLang="zh-CN" dirty="0">
-                <a:solidFill>
-                  <a:srgbClr val="333333"/>
-                </a:solidFill>
-                <a:latin typeface="Menlo"/>
-              </a:rPr>
-              <a:t>li</a:t>
+              <a:t>&gt;</a:t>
+            </a:r>
+          </a:p>
+          <a:p>
+            <a:r>
+              <a:rPr lang="en-US" altLang="zh-CN" dirty="0">
+                <a:solidFill>
+                  <a:srgbClr val="333333"/>
+                </a:solidFill>
+                <a:latin typeface="Menlo"/>
+              </a:rPr>
+              <a:t> </a:t>
             </a:r>
             <a:r>
               <a:rPr lang="en-US" altLang="zh-CN" dirty="0" smtClean="0">
@@ -26034,36 +26036,7 @@
                 </a:solidFill>
                 <a:latin typeface="Menlo"/>
               </a:rPr>
-              <a:t>&gt;</a:t>
-            </a:r>
-          </a:p>
-          <a:p>
-            <a:r>
-              <a:rPr lang="en-US" altLang="zh-CN" dirty="0">
-                <a:solidFill>
-                  <a:srgbClr val="333333"/>
-                </a:solidFill>
-                <a:latin typeface="Menlo"/>
-              </a:rPr>
-              <a:t> </a:t>
-            </a:r>
-            <a:r>
-              <a:rPr lang="en-US" altLang="zh-CN" dirty="0" smtClean="0">
-                <a:solidFill>
-                  <a:srgbClr val="333333"/>
-                </a:solidFill>
-                <a:latin typeface="Menlo"/>
-              </a:rPr>
-              <a:t>   </a:t>
-            </a:r>
-            <a:r>
-              <a:rPr lang="en-US" altLang="zh-CN" dirty="0" smtClean="0">
-                <a:solidFill>
-                  <a:srgbClr val="333333"/>
-                </a:solidFill>
-                <a:latin typeface="Menlo"/>
-              </a:rPr>
-              <a:t>{% </a:t>
+              <a:t>   {% </a:t>
             </a:r>
             <a:r>
               <a:rPr lang="en-US" altLang="zh-CN" dirty="0" err="1">
@@ -26371,17 +26344,7 @@
                   </a:schemeClr>
                 </a:solidFill>
               </a:rPr>
-              <a:t>模板</a:t>
-            </a:r>
-            <a:r>
-              <a:rPr lang="zh-CN" altLang="en-US" dirty="0" smtClean="0">
-                <a:solidFill>
-                  <a:schemeClr val="bg1">
-                    <a:lumMod val="75000"/>
-                  </a:schemeClr>
-                </a:solidFill>
-              </a:rPr>
-              <a:t>标签</a:t>
+              <a:t>模板标签</a:t>
             </a:r>
             <a:endParaRPr lang="en-US" altLang="zh-CN" dirty="0" smtClean="0">
               <a:solidFill>
@@ -29156,7 +29119,7 @@
         <p:spPr>
           <a:xfrm>
             <a:off x="457200" y="1916832"/>
-            <a:ext cx="8435280" cy="3416320"/>
+            <a:ext cx="8435280" cy="1754326"/>
           </a:xfrm>
           <a:prstGeom prst="rect">
             <a:avLst/>
@@ -29196,41 +29159,12 @@
           </a:p>
           <a:p>
             <a:r>
-              <a:rPr lang="zh-CN" altLang="en-US" dirty="0"/>
-              <a:t>    &lt;form method="post" action="."&gt;</a:t>
-            </a:r>
-          </a:p>
-          <a:p>
-            <a:r>
-              <a:rPr lang="zh-CN" altLang="en-US" dirty="0"/>
-              <a:t>        {% csrf_token %}</a:t>
-            </a:r>
-          </a:p>
-          <a:p>
-            <a:r>
-              <a:rPr lang="zh-CN" altLang="en-US" dirty="0"/>
-              <a:t>        {{ form.as_p }}</a:t>
-            </a:r>
-          </a:p>
-          <a:p>
-            <a:endParaRPr lang="zh-CN" altLang="en-US" dirty="0"/>
-          </a:p>
-          <a:p>
-            <a:r>
-              <a:rPr lang="zh-CN" altLang="en-US" dirty="0"/>
-              <a:t>        &lt;input type="hidden" name="next" value="{{ next }}" /&gt;</a:t>
-            </a:r>
-          </a:p>
-          <a:p>
-            <a:r>
-              <a:rPr lang="zh-CN" altLang="en-US" dirty="0"/>
-              <a:t>    &lt;/form&gt;</a:t>
-            </a:r>
-          </a:p>
-          <a:p>
-            <a:r>
-              <a:rPr lang="zh-CN" altLang="en-US" dirty="0"/>
-              <a:t>{% endblock %}</a:t>
+              <a:rPr lang="zh-CN" altLang="en-US" smtClean="0"/>
+              <a:t>{% </a:t>
+            </a:r>
+            <a:r>
+              <a:rPr lang="zh-CN" altLang="en-US" dirty="0"/>
+              <a:t>endblock %}</a:t>
             </a:r>
           </a:p>
         </p:txBody>
